--- a/presentation.pptx
+++ b/presentation.pptx
@@ -6011,7 +6011,7 @@
         <p:spPr>
           <a:xfrm>
             <a:off x="1154955" y="3887467"/>
-            <a:ext cx="5822428" cy="461665"/>
+            <a:ext cx="5942652" cy="461665"/>
           </a:xfrm>
           <a:prstGeom prst="rect">
             <a:avLst/>
@@ -6026,7 +6026,7 @@
           <a:p>
             <a:r>
               <a:rPr lang="fr-FR" sz="2400" dirty="0"/>
-              <a:t>Base de donnée : </a:t>
+              <a:t>Base de données : </a:t>
             </a:r>
             <a:r>
               <a:rPr lang="fr-FR" dirty="0" err="1"/>
